--- a/files/teaching-resources/monmouthcollege-econ-301/econ-301-s2024/econ-301-s2024-lecture-note/ECON301-S2024-LEC11.pptx
+++ b/files/teaching-resources/monmouthcollege-econ-301/econ-301-s2024/econ-301-s2024-lecture-note/ECON301-S2024-LEC11.pptx
@@ -226,7 +226,7 @@
           <a:p>
             <a:fld id="{0E0A6441-4E79-42FF-805B-86C90BDFD38D}" type="datetimeFigureOut">
               <a:rPr lang="en-US" smtClean="0"/>
-              <a:t>3/21/2024</a:t>
+              <a:t>3/23/2024</a:t>
             </a:fld>
             <a:endParaRPr lang="en-US" dirty="0"/>
           </a:p>
@@ -19578,6 +19578,347 @@
   <p:clrMapOvr>
     <a:masterClrMapping/>
   </p:clrMapOvr>
+  <p:timing>
+    <p:tnLst>
+      <p:par>
+        <p:cTn id="1" dur="indefinite" restart="never" nodeType="tmRoot">
+          <p:childTnLst>
+            <p:seq concurrent="1" nextAc="seek">
+              <p:cTn id="2" dur="indefinite" nodeType="mainSeq">
+                <p:childTnLst>
+                  <p:par>
+                    <p:cTn id="3" fill="hold">
+                      <p:stCondLst>
+                        <p:cond delay="indefinite"/>
+                        <p:cond evt="onBegin" delay="0">
+                          <p:tn val="2"/>
+                        </p:cond>
+                      </p:stCondLst>
+                      <p:childTnLst>
+                        <p:par>
+                          <p:cTn id="4" fill="hold">
+                            <p:stCondLst>
+                              <p:cond delay="0"/>
+                            </p:stCondLst>
+                            <p:childTnLst>
+                              <p:par>
+                                <p:cTn id="5" presetID="10" presetClass="entr" presetSubtype="0" fill="hold" grpId="0" nodeType="withEffect">
+                                  <p:stCondLst>
+                                    <p:cond delay="0"/>
+                                  </p:stCondLst>
+                                  <p:childTnLst>
+                                    <p:set>
+                                      <p:cBhvr>
+                                        <p:cTn id="6" dur="1" fill="hold">
+                                          <p:stCondLst>
+                                            <p:cond delay="0"/>
+                                          </p:stCondLst>
+                                        </p:cTn>
+                                        <p:tgtEl>
+                                          <p:spTgt spid="3">
+                                            <p:txEl>
+                                              <p:pRg st="0" end="0"/>
+                                            </p:txEl>
+                                          </p:spTgt>
+                                        </p:tgtEl>
+                                        <p:attrNameLst>
+                                          <p:attrName>style.visibility</p:attrName>
+                                        </p:attrNameLst>
+                                      </p:cBhvr>
+                                      <p:to>
+                                        <p:strVal val="visible"/>
+                                      </p:to>
+                                    </p:set>
+                                    <p:animEffect transition="in" filter="fade">
+                                      <p:cBhvr>
+                                        <p:cTn id="7" dur="500"/>
+                                        <p:tgtEl>
+                                          <p:spTgt spid="3">
+                                            <p:txEl>
+                                              <p:pRg st="0" end="0"/>
+                                            </p:txEl>
+                                          </p:spTgt>
+                                        </p:tgtEl>
+                                      </p:cBhvr>
+                                    </p:animEffect>
+                                  </p:childTnLst>
+                                </p:cTn>
+                              </p:par>
+                            </p:childTnLst>
+                          </p:cTn>
+                        </p:par>
+                      </p:childTnLst>
+                    </p:cTn>
+                  </p:par>
+                  <p:par>
+                    <p:cTn id="8" fill="hold">
+                      <p:stCondLst>
+                        <p:cond delay="indefinite"/>
+                      </p:stCondLst>
+                      <p:childTnLst>
+                        <p:par>
+                          <p:cTn id="9" fill="hold">
+                            <p:stCondLst>
+                              <p:cond delay="0"/>
+                            </p:stCondLst>
+                            <p:childTnLst>
+                              <p:par>
+                                <p:cTn id="10" presetID="10" presetClass="entr" presetSubtype="0" fill="hold" grpId="0" nodeType="clickEffect">
+                                  <p:stCondLst>
+                                    <p:cond delay="0"/>
+                                  </p:stCondLst>
+                                  <p:childTnLst>
+                                    <p:set>
+                                      <p:cBhvr>
+                                        <p:cTn id="11" dur="1" fill="hold">
+                                          <p:stCondLst>
+                                            <p:cond delay="0"/>
+                                          </p:stCondLst>
+                                        </p:cTn>
+                                        <p:tgtEl>
+                                          <p:spTgt spid="3">
+                                            <p:txEl>
+                                              <p:pRg st="2" end="2"/>
+                                            </p:txEl>
+                                          </p:spTgt>
+                                        </p:tgtEl>
+                                        <p:attrNameLst>
+                                          <p:attrName>style.visibility</p:attrName>
+                                        </p:attrNameLst>
+                                      </p:cBhvr>
+                                      <p:to>
+                                        <p:strVal val="visible"/>
+                                      </p:to>
+                                    </p:set>
+                                    <p:animEffect transition="in" filter="fade">
+                                      <p:cBhvr>
+                                        <p:cTn id="12" dur="500"/>
+                                        <p:tgtEl>
+                                          <p:spTgt spid="3">
+                                            <p:txEl>
+                                              <p:pRg st="2" end="2"/>
+                                            </p:txEl>
+                                          </p:spTgt>
+                                        </p:tgtEl>
+                                      </p:cBhvr>
+                                    </p:animEffect>
+                                  </p:childTnLst>
+                                </p:cTn>
+                              </p:par>
+                            </p:childTnLst>
+                          </p:cTn>
+                        </p:par>
+                      </p:childTnLst>
+                    </p:cTn>
+                  </p:par>
+                  <p:par>
+                    <p:cTn id="13" fill="hold">
+                      <p:stCondLst>
+                        <p:cond delay="indefinite"/>
+                      </p:stCondLst>
+                      <p:childTnLst>
+                        <p:par>
+                          <p:cTn id="14" fill="hold">
+                            <p:stCondLst>
+                              <p:cond delay="0"/>
+                            </p:stCondLst>
+                            <p:childTnLst>
+                              <p:par>
+                                <p:cTn id="15" presetID="10" presetClass="entr" presetSubtype="0" fill="hold" grpId="0" nodeType="clickEffect">
+                                  <p:stCondLst>
+                                    <p:cond delay="0"/>
+                                  </p:stCondLst>
+                                  <p:childTnLst>
+                                    <p:set>
+                                      <p:cBhvr>
+                                        <p:cTn id="16" dur="1" fill="hold">
+                                          <p:stCondLst>
+                                            <p:cond delay="0"/>
+                                          </p:stCondLst>
+                                        </p:cTn>
+                                        <p:tgtEl>
+                                          <p:spTgt spid="3">
+                                            <p:txEl>
+                                              <p:pRg st="4" end="4"/>
+                                            </p:txEl>
+                                          </p:spTgt>
+                                        </p:tgtEl>
+                                        <p:attrNameLst>
+                                          <p:attrName>style.visibility</p:attrName>
+                                        </p:attrNameLst>
+                                      </p:cBhvr>
+                                      <p:to>
+                                        <p:strVal val="visible"/>
+                                      </p:to>
+                                    </p:set>
+                                    <p:animEffect transition="in" filter="fade">
+                                      <p:cBhvr>
+                                        <p:cTn id="17" dur="500"/>
+                                        <p:tgtEl>
+                                          <p:spTgt spid="3">
+                                            <p:txEl>
+                                              <p:pRg st="4" end="4"/>
+                                            </p:txEl>
+                                          </p:spTgt>
+                                        </p:tgtEl>
+                                      </p:cBhvr>
+                                    </p:animEffect>
+                                  </p:childTnLst>
+                                </p:cTn>
+                              </p:par>
+                            </p:childTnLst>
+                          </p:cTn>
+                        </p:par>
+                      </p:childTnLst>
+                    </p:cTn>
+                  </p:par>
+                  <p:par>
+                    <p:cTn id="18" fill="hold">
+                      <p:stCondLst>
+                        <p:cond delay="indefinite"/>
+                      </p:stCondLst>
+                      <p:childTnLst>
+                        <p:par>
+                          <p:cTn id="19" fill="hold">
+                            <p:stCondLst>
+                              <p:cond delay="0"/>
+                            </p:stCondLst>
+                            <p:childTnLst>
+                              <p:par>
+                                <p:cTn id="20" presetID="10" presetClass="entr" presetSubtype="0" fill="hold" grpId="0" nodeType="clickEffect">
+                                  <p:stCondLst>
+                                    <p:cond delay="0"/>
+                                  </p:stCondLst>
+                                  <p:childTnLst>
+                                    <p:set>
+                                      <p:cBhvr>
+                                        <p:cTn id="21" dur="1" fill="hold">
+                                          <p:stCondLst>
+                                            <p:cond delay="0"/>
+                                          </p:stCondLst>
+                                        </p:cTn>
+                                        <p:tgtEl>
+                                          <p:spTgt spid="3">
+                                            <p:txEl>
+                                              <p:pRg st="5" end="5"/>
+                                            </p:txEl>
+                                          </p:spTgt>
+                                        </p:tgtEl>
+                                        <p:attrNameLst>
+                                          <p:attrName>style.visibility</p:attrName>
+                                        </p:attrNameLst>
+                                      </p:cBhvr>
+                                      <p:to>
+                                        <p:strVal val="visible"/>
+                                      </p:to>
+                                    </p:set>
+                                    <p:animEffect transition="in" filter="fade">
+                                      <p:cBhvr>
+                                        <p:cTn id="22" dur="500"/>
+                                        <p:tgtEl>
+                                          <p:spTgt spid="3">
+                                            <p:txEl>
+                                              <p:pRg st="5" end="5"/>
+                                            </p:txEl>
+                                          </p:spTgt>
+                                        </p:tgtEl>
+                                      </p:cBhvr>
+                                    </p:animEffect>
+                                  </p:childTnLst>
+                                </p:cTn>
+                              </p:par>
+                            </p:childTnLst>
+                          </p:cTn>
+                        </p:par>
+                      </p:childTnLst>
+                    </p:cTn>
+                  </p:par>
+                  <p:par>
+                    <p:cTn id="23" fill="hold">
+                      <p:stCondLst>
+                        <p:cond delay="indefinite"/>
+                      </p:stCondLst>
+                      <p:childTnLst>
+                        <p:par>
+                          <p:cTn id="24" fill="hold">
+                            <p:stCondLst>
+                              <p:cond delay="0"/>
+                            </p:stCondLst>
+                            <p:childTnLst>
+                              <p:par>
+                                <p:cTn id="25" presetID="10" presetClass="entr" presetSubtype="0" fill="hold" grpId="0" nodeType="clickEffect">
+                                  <p:stCondLst>
+                                    <p:cond delay="0"/>
+                                  </p:stCondLst>
+                                  <p:childTnLst>
+                                    <p:set>
+                                      <p:cBhvr>
+                                        <p:cTn id="26" dur="1" fill="hold">
+                                          <p:stCondLst>
+                                            <p:cond delay="0"/>
+                                          </p:stCondLst>
+                                        </p:cTn>
+                                        <p:tgtEl>
+                                          <p:spTgt spid="3">
+                                            <p:txEl>
+                                              <p:pRg st="6" end="6"/>
+                                            </p:txEl>
+                                          </p:spTgt>
+                                        </p:tgtEl>
+                                        <p:attrNameLst>
+                                          <p:attrName>style.visibility</p:attrName>
+                                        </p:attrNameLst>
+                                      </p:cBhvr>
+                                      <p:to>
+                                        <p:strVal val="visible"/>
+                                      </p:to>
+                                    </p:set>
+                                    <p:animEffect transition="in" filter="fade">
+                                      <p:cBhvr>
+                                        <p:cTn id="27" dur="500"/>
+                                        <p:tgtEl>
+                                          <p:spTgt spid="3">
+                                            <p:txEl>
+                                              <p:pRg st="6" end="6"/>
+                                            </p:txEl>
+                                          </p:spTgt>
+                                        </p:tgtEl>
+                                      </p:cBhvr>
+                                    </p:animEffect>
+                                  </p:childTnLst>
+                                </p:cTn>
+                              </p:par>
+                            </p:childTnLst>
+                          </p:cTn>
+                        </p:par>
+                      </p:childTnLst>
+                    </p:cTn>
+                  </p:par>
+                </p:childTnLst>
+              </p:cTn>
+              <p:prevCondLst>
+                <p:cond evt="onPrev" delay="0">
+                  <p:tgtEl>
+                    <p:sldTgt/>
+                  </p:tgtEl>
+                </p:cond>
+              </p:prevCondLst>
+              <p:nextCondLst>
+                <p:cond evt="onNext" delay="0">
+                  <p:tgtEl>
+                    <p:sldTgt/>
+                  </p:tgtEl>
+                </p:cond>
+              </p:nextCondLst>
+            </p:seq>
+          </p:childTnLst>
+        </p:cTn>
+      </p:par>
+    </p:tnLst>
+    <p:bldLst>
+      <p:bldP spid="3" grpId="0" uiExpand="1" build="p"/>
+    </p:bldLst>
+  </p:timing>
 </p:sld>
 </file>
 
@@ -24727,6 +25068,347 @@
   <p:clrMapOvr>
     <a:masterClrMapping/>
   </p:clrMapOvr>
+  <p:timing>
+    <p:tnLst>
+      <p:par>
+        <p:cTn id="1" dur="indefinite" restart="never" nodeType="tmRoot">
+          <p:childTnLst>
+            <p:seq concurrent="1" nextAc="seek">
+              <p:cTn id="2" dur="indefinite" nodeType="mainSeq">
+                <p:childTnLst>
+                  <p:par>
+                    <p:cTn id="3" fill="hold">
+                      <p:stCondLst>
+                        <p:cond delay="indefinite"/>
+                        <p:cond evt="onBegin" delay="0">
+                          <p:tn val="2"/>
+                        </p:cond>
+                      </p:stCondLst>
+                      <p:childTnLst>
+                        <p:par>
+                          <p:cTn id="4" fill="hold">
+                            <p:stCondLst>
+                              <p:cond delay="0"/>
+                            </p:stCondLst>
+                            <p:childTnLst>
+                              <p:par>
+                                <p:cTn id="5" presetID="10" presetClass="entr" presetSubtype="0" fill="hold" grpId="0" nodeType="withEffect">
+                                  <p:stCondLst>
+                                    <p:cond delay="0"/>
+                                  </p:stCondLst>
+                                  <p:childTnLst>
+                                    <p:set>
+                                      <p:cBhvr>
+                                        <p:cTn id="6" dur="1" fill="hold">
+                                          <p:stCondLst>
+                                            <p:cond delay="0"/>
+                                          </p:stCondLst>
+                                        </p:cTn>
+                                        <p:tgtEl>
+                                          <p:spTgt spid="3">
+                                            <p:txEl>
+                                              <p:pRg st="0" end="0"/>
+                                            </p:txEl>
+                                          </p:spTgt>
+                                        </p:tgtEl>
+                                        <p:attrNameLst>
+                                          <p:attrName>style.visibility</p:attrName>
+                                        </p:attrNameLst>
+                                      </p:cBhvr>
+                                      <p:to>
+                                        <p:strVal val="visible"/>
+                                      </p:to>
+                                    </p:set>
+                                    <p:animEffect transition="in" filter="fade">
+                                      <p:cBhvr>
+                                        <p:cTn id="7" dur="500"/>
+                                        <p:tgtEl>
+                                          <p:spTgt spid="3">
+                                            <p:txEl>
+                                              <p:pRg st="0" end="0"/>
+                                            </p:txEl>
+                                          </p:spTgt>
+                                        </p:tgtEl>
+                                      </p:cBhvr>
+                                    </p:animEffect>
+                                  </p:childTnLst>
+                                </p:cTn>
+                              </p:par>
+                            </p:childTnLst>
+                          </p:cTn>
+                        </p:par>
+                      </p:childTnLst>
+                    </p:cTn>
+                  </p:par>
+                  <p:par>
+                    <p:cTn id="8" fill="hold">
+                      <p:stCondLst>
+                        <p:cond delay="indefinite"/>
+                      </p:stCondLst>
+                      <p:childTnLst>
+                        <p:par>
+                          <p:cTn id="9" fill="hold">
+                            <p:stCondLst>
+                              <p:cond delay="0"/>
+                            </p:stCondLst>
+                            <p:childTnLst>
+                              <p:par>
+                                <p:cTn id="10" presetID="10" presetClass="entr" presetSubtype="0" fill="hold" grpId="0" nodeType="clickEffect">
+                                  <p:stCondLst>
+                                    <p:cond delay="0"/>
+                                  </p:stCondLst>
+                                  <p:childTnLst>
+                                    <p:set>
+                                      <p:cBhvr>
+                                        <p:cTn id="11" dur="1" fill="hold">
+                                          <p:stCondLst>
+                                            <p:cond delay="0"/>
+                                          </p:stCondLst>
+                                        </p:cTn>
+                                        <p:tgtEl>
+                                          <p:spTgt spid="3">
+                                            <p:txEl>
+                                              <p:pRg st="2" end="2"/>
+                                            </p:txEl>
+                                          </p:spTgt>
+                                        </p:tgtEl>
+                                        <p:attrNameLst>
+                                          <p:attrName>style.visibility</p:attrName>
+                                        </p:attrNameLst>
+                                      </p:cBhvr>
+                                      <p:to>
+                                        <p:strVal val="visible"/>
+                                      </p:to>
+                                    </p:set>
+                                    <p:animEffect transition="in" filter="fade">
+                                      <p:cBhvr>
+                                        <p:cTn id="12" dur="500"/>
+                                        <p:tgtEl>
+                                          <p:spTgt spid="3">
+                                            <p:txEl>
+                                              <p:pRg st="2" end="2"/>
+                                            </p:txEl>
+                                          </p:spTgt>
+                                        </p:tgtEl>
+                                      </p:cBhvr>
+                                    </p:animEffect>
+                                  </p:childTnLst>
+                                </p:cTn>
+                              </p:par>
+                            </p:childTnLst>
+                          </p:cTn>
+                        </p:par>
+                      </p:childTnLst>
+                    </p:cTn>
+                  </p:par>
+                  <p:par>
+                    <p:cTn id="13" fill="hold">
+                      <p:stCondLst>
+                        <p:cond delay="indefinite"/>
+                      </p:stCondLst>
+                      <p:childTnLst>
+                        <p:par>
+                          <p:cTn id="14" fill="hold">
+                            <p:stCondLst>
+                              <p:cond delay="0"/>
+                            </p:stCondLst>
+                            <p:childTnLst>
+                              <p:par>
+                                <p:cTn id="15" presetID="10" presetClass="entr" presetSubtype="0" fill="hold" grpId="0" nodeType="clickEffect">
+                                  <p:stCondLst>
+                                    <p:cond delay="0"/>
+                                  </p:stCondLst>
+                                  <p:childTnLst>
+                                    <p:set>
+                                      <p:cBhvr>
+                                        <p:cTn id="16" dur="1" fill="hold">
+                                          <p:stCondLst>
+                                            <p:cond delay="0"/>
+                                          </p:stCondLst>
+                                        </p:cTn>
+                                        <p:tgtEl>
+                                          <p:spTgt spid="3">
+                                            <p:txEl>
+                                              <p:pRg st="4" end="4"/>
+                                            </p:txEl>
+                                          </p:spTgt>
+                                        </p:tgtEl>
+                                        <p:attrNameLst>
+                                          <p:attrName>style.visibility</p:attrName>
+                                        </p:attrNameLst>
+                                      </p:cBhvr>
+                                      <p:to>
+                                        <p:strVal val="visible"/>
+                                      </p:to>
+                                    </p:set>
+                                    <p:animEffect transition="in" filter="fade">
+                                      <p:cBhvr>
+                                        <p:cTn id="17" dur="500"/>
+                                        <p:tgtEl>
+                                          <p:spTgt spid="3">
+                                            <p:txEl>
+                                              <p:pRg st="4" end="4"/>
+                                            </p:txEl>
+                                          </p:spTgt>
+                                        </p:tgtEl>
+                                      </p:cBhvr>
+                                    </p:animEffect>
+                                  </p:childTnLst>
+                                </p:cTn>
+                              </p:par>
+                            </p:childTnLst>
+                          </p:cTn>
+                        </p:par>
+                      </p:childTnLst>
+                    </p:cTn>
+                  </p:par>
+                  <p:par>
+                    <p:cTn id="18" fill="hold">
+                      <p:stCondLst>
+                        <p:cond delay="indefinite"/>
+                      </p:stCondLst>
+                      <p:childTnLst>
+                        <p:par>
+                          <p:cTn id="19" fill="hold">
+                            <p:stCondLst>
+                              <p:cond delay="0"/>
+                            </p:stCondLst>
+                            <p:childTnLst>
+                              <p:par>
+                                <p:cTn id="20" presetID="10" presetClass="entr" presetSubtype="0" fill="hold" grpId="0" nodeType="clickEffect">
+                                  <p:stCondLst>
+                                    <p:cond delay="0"/>
+                                  </p:stCondLst>
+                                  <p:childTnLst>
+                                    <p:set>
+                                      <p:cBhvr>
+                                        <p:cTn id="21" dur="1" fill="hold">
+                                          <p:stCondLst>
+                                            <p:cond delay="0"/>
+                                          </p:stCondLst>
+                                        </p:cTn>
+                                        <p:tgtEl>
+                                          <p:spTgt spid="3">
+                                            <p:txEl>
+                                              <p:pRg st="6" end="6"/>
+                                            </p:txEl>
+                                          </p:spTgt>
+                                        </p:tgtEl>
+                                        <p:attrNameLst>
+                                          <p:attrName>style.visibility</p:attrName>
+                                        </p:attrNameLst>
+                                      </p:cBhvr>
+                                      <p:to>
+                                        <p:strVal val="visible"/>
+                                      </p:to>
+                                    </p:set>
+                                    <p:animEffect transition="in" filter="fade">
+                                      <p:cBhvr>
+                                        <p:cTn id="22" dur="500"/>
+                                        <p:tgtEl>
+                                          <p:spTgt spid="3">
+                                            <p:txEl>
+                                              <p:pRg st="6" end="6"/>
+                                            </p:txEl>
+                                          </p:spTgt>
+                                        </p:tgtEl>
+                                      </p:cBhvr>
+                                    </p:animEffect>
+                                  </p:childTnLst>
+                                </p:cTn>
+                              </p:par>
+                            </p:childTnLst>
+                          </p:cTn>
+                        </p:par>
+                      </p:childTnLst>
+                    </p:cTn>
+                  </p:par>
+                  <p:par>
+                    <p:cTn id="23" fill="hold">
+                      <p:stCondLst>
+                        <p:cond delay="indefinite"/>
+                      </p:stCondLst>
+                      <p:childTnLst>
+                        <p:par>
+                          <p:cTn id="24" fill="hold">
+                            <p:stCondLst>
+                              <p:cond delay="0"/>
+                            </p:stCondLst>
+                            <p:childTnLst>
+                              <p:par>
+                                <p:cTn id="25" presetID="10" presetClass="entr" presetSubtype="0" fill="hold" grpId="0" nodeType="clickEffect">
+                                  <p:stCondLst>
+                                    <p:cond delay="0"/>
+                                  </p:stCondLst>
+                                  <p:childTnLst>
+                                    <p:set>
+                                      <p:cBhvr>
+                                        <p:cTn id="26" dur="1" fill="hold">
+                                          <p:stCondLst>
+                                            <p:cond delay="0"/>
+                                          </p:stCondLst>
+                                        </p:cTn>
+                                        <p:tgtEl>
+                                          <p:spTgt spid="3">
+                                            <p:txEl>
+                                              <p:pRg st="8" end="8"/>
+                                            </p:txEl>
+                                          </p:spTgt>
+                                        </p:tgtEl>
+                                        <p:attrNameLst>
+                                          <p:attrName>style.visibility</p:attrName>
+                                        </p:attrNameLst>
+                                      </p:cBhvr>
+                                      <p:to>
+                                        <p:strVal val="visible"/>
+                                      </p:to>
+                                    </p:set>
+                                    <p:animEffect transition="in" filter="fade">
+                                      <p:cBhvr>
+                                        <p:cTn id="27" dur="500"/>
+                                        <p:tgtEl>
+                                          <p:spTgt spid="3">
+                                            <p:txEl>
+                                              <p:pRg st="8" end="8"/>
+                                            </p:txEl>
+                                          </p:spTgt>
+                                        </p:tgtEl>
+                                      </p:cBhvr>
+                                    </p:animEffect>
+                                  </p:childTnLst>
+                                </p:cTn>
+                              </p:par>
+                            </p:childTnLst>
+                          </p:cTn>
+                        </p:par>
+                      </p:childTnLst>
+                    </p:cTn>
+                  </p:par>
+                </p:childTnLst>
+              </p:cTn>
+              <p:prevCondLst>
+                <p:cond evt="onPrev" delay="0">
+                  <p:tgtEl>
+                    <p:sldTgt/>
+                  </p:tgtEl>
+                </p:cond>
+              </p:prevCondLst>
+              <p:nextCondLst>
+                <p:cond evt="onNext" delay="0">
+                  <p:tgtEl>
+                    <p:sldTgt/>
+                  </p:tgtEl>
+                </p:cond>
+              </p:nextCondLst>
+            </p:seq>
+          </p:childTnLst>
+        </p:cTn>
+      </p:par>
+    </p:tnLst>
+    <p:bldLst>
+      <p:bldP spid="3" grpId="0" uiExpand="1" build="p"/>
+    </p:bldLst>
+  </p:timing>
 </p:sld>
 </file>
 
@@ -28606,8 +29288,8 @@
           </a:p>
         </p:txBody>
       </p:sp>
-      <mc:AlternateContent xmlns:mc="http://schemas.openxmlformats.org/markup-compatibility/2006">
-        <mc:Choice xmlns:a14="http://schemas.microsoft.com/office/drawing/2010/main" Requires="a14">
+      <mc:AlternateContent xmlns:mc="http://schemas.openxmlformats.org/markup-compatibility/2006" xmlns:a14="http://schemas.microsoft.com/office/drawing/2010/main">
+        <mc:Choice Requires="a14">
           <p:sp>
             <p:nvSpPr>
               <p:cNvPr id="4" name="Content Placeholder 3">
@@ -28933,7 +29615,7 @@
             </p:txBody>
           </p:sp>
         </mc:Choice>
-        <mc:Fallback>
+        <mc:Fallback xmlns="">
           <p:sp>
             <p:nvSpPr>
               <p:cNvPr id="4" name="Content Placeholder 3">
@@ -29064,8 +29746,8 @@
           </a:p>
         </p:txBody>
       </p:sp>
-      <mc:AlternateContent xmlns:mc="http://schemas.openxmlformats.org/markup-compatibility/2006">
-        <mc:Choice xmlns:a14="http://schemas.microsoft.com/office/drawing/2010/main" Requires="a14">
+      <mc:AlternateContent xmlns:mc="http://schemas.openxmlformats.org/markup-compatibility/2006" xmlns:a14="http://schemas.microsoft.com/office/drawing/2010/main">
+        <mc:Choice Requires="a14">
           <p:sp>
             <p:nvSpPr>
               <p:cNvPr id="11" name="TextBox 10">
@@ -29115,7 +29797,7 @@
             </p:txBody>
           </p:sp>
         </mc:Choice>
-        <mc:Fallback>
+        <mc:Fallback xmlns="">
           <p:sp>
             <p:nvSpPr>
               <p:cNvPr id="11" name="TextBox 10">
@@ -29440,8 +30122,8 @@
           </a:fontRef>
         </p:style>
       </p:cxnSp>
-      <mc:AlternateContent xmlns:mc="http://schemas.openxmlformats.org/markup-compatibility/2006">
-        <mc:Choice xmlns:a14="http://schemas.microsoft.com/office/drawing/2010/main" Requires="a14">
+      <mc:AlternateContent xmlns:mc="http://schemas.openxmlformats.org/markup-compatibility/2006" xmlns:a14="http://schemas.microsoft.com/office/drawing/2010/main">
+        <mc:Choice Requires="a14">
           <p:sp>
             <p:nvSpPr>
               <p:cNvPr id="44" name="TextBox 43">
@@ -29510,7 +30192,7 @@
             </p:txBody>
           </p:sp>
         </mc:Choice>
-        <mc:Fallback>
+        <mc:Fallback xmlns="">
           <p:sp>
             <p:nvSpPr>
               <p:cNvPr id="44" name="TextBox 43">
@@ -29729,8 +30411,8 @@
           </a:fontRef>
         </p:style>
       </p:cxnSp>
-      <mc:AlternateContent xmlns:mc="http://schemas.openxmlformats.org/markup-compatibility/2006">
-        <mc:Choice xmlns:a14="http://schemas.microsoft.com/office/drawing/2010/main" Requires="a14">
+      <mc:AlternateContent xmlns:mc="http://schemas.openxmlformats.org/markup-compatibility/2006" xmlns:a14="http://schemas.microsoft.com/office/drawing/2010/main">
+        <mc:Choice Requires="a14">
           <p:sp>
             <p:nvSpPr>
               <p:cNvPr id="53" name="TextBox 52">
@@ -29826,7 +30508,7 @@
             </p:txBody>
           </p:sp>
         </mc:Choice>
-        <mc:Fallback>
+        <mc:Fallback xmlns="">
           <p:sp>
             <p:nvSpPr>
               <p:cNvPr id="53" name="TextBox 52">
@@ -29871,8 +30553,8 @@
           </p:sp>
         </mc:Fallback>
       </mc:AlternateContent>
-      <mc:AlternateContent xmlns:mc="http://schemas.openxmlformats.org/markup-compatibility/2006">
-        <mc:Choice xmlns:a14="http://schemas.microsoft.com/office/drawing/2010/main" Requires="a14">
+      <mc:AlternateContent xmlns:mc="http://schemas.openxmlformats.org/markup-compatibility/2006" xmlns:a14="http://schemas.microsoft.com/office/drawing/2010/main">
+        <mc:Choice Requires="a14">
           <p:sp>
             <p:nvSpPr>
               <p:cNvPr id="54" name="TextBox 53">
@@ -29968,7 +30650,7 @@
             </p:txBody>
           </p:sp>
         </mc:Choice>
-        <mc:Fallback>
+        <mc:Fallback xmlns="">
           <p:sp>
             <p:nvSpPr>
               <p:cNvPr id="54" name="TextBox 53">
@@ -30583,8 +31265,8 @@
           </a:p>
         </p:txBody>
       </p:sp>
-      <mc:AlternateContent xmlns:mc="http://schemas.openxmlformats.org/markup-compatibility/2006">
-        <mc:Choice xmlns:a14="http://schemas.microsoft.com/office/drawing/2010/main" Requires="a14">
+      <mc:AlternateContent xmlns:mc="http://schemas.openxmlformats.org/markup-compatibility/2006" xmlns:a14="http://schemas.microsoft.com/office/drawing/2010/main">
+        <mc:Choice Requires="a14">
           <p:sp>
             <p:nvSpPr>
               <p:cNvPr id="3" name="Content Placeholder 2">
@@ -30800,13 +31482,7 @@
                       <a:rPr lang="en-US" b="0" i="1" smtClean="0">
                         <a:latin typeface="Cambria Math" panose="02040503050406030204" pitchFamily="18" charset="0"/>
                       </a:rPr>
-                      <m:t>&lt;</m:t>
-                    </m:r>
-                    <m:r>
-                      <a:rPr lang="en-US" b="0" i="1" smtClean="0">
-                        <a:latin typeface="Cambria Math" panose="02040503050406030204" pitchFamily="18" charset="0"/>
-                      </a:rPr>
-                      <m:t>0</m:t>
+                      <m:t>&lt;0</m:t>
                     </m:r>
                   </m:oMath>
                 </a14:m>
@@ -30835,7 +31511,7 @@
             </p:txBody>
           </p:sp>
         </mc:Choice>
-        <mc:Fallback>
+        <mc:Fallback xmlns="">
           <p:sp>
             <p:nvSpPr>
               <p:cNvPr id="3" name="Content Placeholder 2">
@@ -32121,8 +32797,8 @@
           </a:p>
         </p:txBody>
       </p:sp>
-      <mc:AlternateContent xmlns:mc="http://schemas.openxmlformats.org/markup-compatibility/2006">
-        <mc:Choice xmlns:a14="http://schemas.microsoft.com/office/drawing/2010/main" Requires="a14">
+      <mc:AlternateContent xmlns:mc="http://schemas.openxmlformats.org/markup-compatibility/2006" xmlns:a14="http://schemas.microsoft.com/office/drawing/2010/main">
+        <mc:Choice Requires="a14">
           <p:sp>
             <p:nvSpPr>
               <p:cNvPr id="4" name="Content Placeholder 3">
@@ -32313,7 +32989,7 @@
             </p:txBody>
           </p:sp>
         </mc:Choice>
-        <mc:Fallback>
+        <mc:Fallback xmlns="">
           <p:sp>
             <p:nvSpPr>
               <p:cNvPr id="4" name="Content Placeholder 3">
@@ -32444,8 +33120,8 @@
           </a:p>
         </p:txBody>
       </p:sp>
-      <mc:AlternateContent xmlns:mc="http://schemas.openxmlformats.org/markup-compatibility/2006">
-        <mc:Choice xmlns:a14="http://schemas.microsoft.com/office/drawing/2010/main" Requires="a14">
+      <mc:AlternateContent xmlns:mc="http://schemas.openxmlformats.org/markup-compatibility/2006" xmlns:a14="http://schemas.microsoft.com/office/drawing/2010/main">
+        <mc:Choice Requires="a14">
           <p:sp>
             <p:nvSpPr>
               <p:cNvPr id="11" name="TextBox 10">
@@ -32495,7 +33171,7 @@
             </p:txBody>
           </p:sp>
         </mc:Choice>
-        <mc:Fallback>
+        <mc:Fallback xmlns="">
           <p:sp>
             <p:nvSpPr>
               <p:cNvPr id="11" name="TextBox 10">
@@ -32540,8 +33216,8 @@
           </p:sp>
         </mc:Fallback>
       </mc:AlternateContent>
-      <mc:AlternateContent xmlns:mc="http://schemas.openxmlformats.org/markup-compatibility/2006">
-        <mc:Choice xmlns:a14="http://schemas.microsoft.com/office/drawing/2010/main" Requires="a14">
+      <mc:AlternateContent xmlns:mc="http://schemas.openxmlformats.org/markup-compatibility/2006" xmlns:a14="http://schemas.microsoft.com/office/drawing/2010/main">
+        <mc:Choice Requires="a14">
           <p:sp>
             <p:nvSpPr>
               <p:cNvPr id="12" name="TextBox 11">
@@ -32603,7 +33279,7 @@
             </p:txBody>
           </p:sp>
         </mc:Choice>
-        <mc:Fallback>
+        <mc:Fallback xmlns="">
           <p:sp>
             <p:nvSpPr>
               <p:cNvPr id="12" name="TextBox 11">
@@ -32842,8 +33518,8 @@
           </a:p>
         </p:txBody>
       </p:sp>
-      <mc:AlternateContent xmlns:mc="http://schemas.openxmlformats.org/markup-compatibility/2006">
-        <mc:Choice xmlns:a14="http://schemas.microsoft.com/office/drawing/2010/main" Requires="a14">
+      <mc:AlternateContent xmlns:mc="http://schemas.openxmlformats.org/markup-compatibility/2006" xmlns:a14="http://schemas.microsoft.com/office/drawing/2010/main">
+        <mc:Choice Requires="a14">
           <p:sp>
             <p:nvSpPr>
               <p:cNvPr id="13" name="TextBox 12">
@@ -32893,7 +33569,7 @@
             </p:txBody>
           </p:sp>
         </mc:Choice>
-        <mc:Fallback>
+        <mc:Fallback xmlns="">
           <p:sp>
             <p:nvSpPr>
               <p:cNvPr id="13" name="TextBox 12">
@@ -32938,8 +33614,8 @@
           </p:sp>
         </mc:Fallback>
       </mc:AlternateContent>
-      <mc:AlternateContent xmlns:mc="http://schemas.openxmlformats.org/markup-compatibility/2006">
-        <mc:Choice xmlns:a14="http://schemas.microsoft.com/office/drawing/2010/main" Requires="a14">
+      <mc:AlternateContent xmlns:mc="http://schemas.openxmlformats.org/markup-compatibility/2006" xmlns:a14="http://schemas.microsoft.com/office/drawing/2010/main">
+        <mc:Choice Requires="a14">
           <p:sp>
             <p:nvSpPr>
               <p:cNvPr id="14" name="TextBox 13">
@@ -32989,7 +33665,7 @@
             </p:txBody>
           </p:sp>
         </mc:Choice>
-        <mc:Fallback>
+        <mc:Fallback xmlns="">
           <p:sp>
             <p:nvSpPr>
               <p:cNvPr id="14" name="TextBox 13">
@@ -33581,8 +34257,8 @@
           </a:p>
         </p:txBody>
       </p:sp>
-      <mc:AlternateContent xmlns:mc="http://schemas.openxmlformats.org/markup-compatibility/2006">
-        <mc:Choice xmlns:a14="http://schemas.microsoft.com/office/drawing/2010/main" Requires="a14">
+      <mc:AlternateContent xmlns:mc="http://schemas.openxmlformats.org/markup-compatibility/2006" xmlns:a14="http://schemas.microsoft.com/office/drawing/2010/main">
+        <mc:Choice Requires="a14">
           <p:sp>
             <p:nvSpPr>
               <p:cNvPr id="4" name="Content Placeholder 3">
@@ -33734,7 +34410,7 @@
             </p:txBody>
           </p:sp>
         </mc:Choice>
-        <mc:Fallback>
+        <mc:Fallback xmlns="">
           <p:sp>
             <p:nvSpPr>
               <p:cNvPr id="4" name="Content Placeholder 3">
@@ -33865,8 +34541,8 @@
           </a:p>
         </p:txBody>
       </p:sp>
-      <mc:AlternateContent xmlns:mc="http://schemas.openxmlformats.org/markup-compatibility/2006">
-        <mc:Choice xmlns:a14="http://schemas.microsoft.com/office/drawing/2010/main" Requires="a14">
+      <mc:AlternateContent xmlns:mc="http://schemas.openxmlformats.org/markup-compatibility/2006" xmlns:a14="http://schemas.microsoft.com/office/drawing/2010/main">
+        <mc:Choice Requires="a14">
           <p:sp>
             <p:nvSpPr>
               <p:cNvPr id="11" name="TextBox 10">
@@ -33916,7 +34592,7 @@
             </p:txBody>
           </p:sp>
         </mc:Choice>
-        <mc:Fallback>
+        <mc:Fallback xmlns="">
           <p:sp>
             <p:nvSpPr>
               <p:cNvPr id="11" name="TextBox 10">
@@ -33961,8 +34637,8 @@
           </p:sp>
         </mc:Fallback>
       </mc:AlternateContent>
-      <mc:AlternateContent xmlns:mc="http://schemas.openxmlformats.org/markup-compatibility/2006">
-        <mc:Choice xmlns:a14="http://schemas.microsoft.com/office/drawing/2010/main" Requires="a14">
+      <mc:AlternateContent xmlns:mc="http://schemas.openxmlformats.org/markup-compatibility/2006" xmlns:a14="http://schemas.microsoft.com/office/drawing/2010/main">
+        <mc:Choice Requires="a14">
           <p:sp>
             <p:nvSpPr>
               <p:cNvPr id="12" name="TextBox 11">
@@ -34024,7 +34700,7 @@
             </p:txBody>
           </p:sp>
         </mc:Choice>
-        <mc:Fallback>
+        <mc:Fallback xmlns="">
           <p:sp>
             <p:nvSpPr>
               <p:cNvPr id="12" name="TextBox 11">
@@ -34263,8 +34939,8 @@
           </a:p>
         </p:txBody>
       </p:sp>
-      <mc:AlternateContent xmlns:mc="http://schemas.openxmlformats.org/markup-compatibility/2006">
-        <mc:Choice xmlns:a14="http://schemas.microsoft.com/office/drawing/2010/main" Requires="a14">
+      <mc:AlternateContent xmlns:mc="http://schemas.openxmlformats.org/markup-compatibility/2006" xmlns:a14="http://schemas.microsoft.com/office/drawing/2010/main">
+        <mc:Choice Requires="a14">
           <p:sp>
             <p:nvSpPr>
               <p:cNvPr id="13" name="TextBox 12">
@@ -34314,7 +34990,7 @@
             </p:txBody>
           </p:sp>
         </mc:Choice>
-        <mc:Fallback>
+        <mc:Fallback xmlns="">
           <p:sp>
             <p:nvSpPr>
               <p:cNvPr id="13" name="TextBox 12">
@@ -34359,8 +35035,8 @@
           </p:sp>
         </mc:Fallback>
       </mc:AlternateContent>
-      <mc:AlternateContent xmlns:mc="http://schemas.openxmlformats.org/markup-compatibility/2006">
-        <mc:Choice xmlns:a14="http://schemas.microsoft.com/office/drawing/2010/main" Requires="a14">
+      <mc:AlternateContent xmlns:mc="http://schemas.openxmlformats.org/markup-compatibility/2006" xmlns:a14="http://schemas.microsoft.com/office/drawing/2010/main">
+        <mc:Choice Requires="a14">
           <p:sp>
             <p:nvSpPr>
               <p:cNvPr id="14" name="TextBox 13">
@@ -34410,7 +35086,7 @@
             </p:txBody>
           </p:sp>
         </mc:Choice>
-        <mc:Fallback>
+        <mc:Fallback xmlns="">
           <p:sp>
             <p:nvSpPr>
               <p:cNvPr id="14" name="TextBox 13">
@@ -34634,8 +35310,8 @@
           </a:fontRef>
         </p:style>
       </p:cxnSp>
-      <mc:AlternateContent xmlns:mc="http://schemas.openxmlformats.org/markup-compatibility/2006">
-        <mc:Choice xmlns:a14="http://schemas.microsoft.com/office/drawing/2010/main" Requires="a14">
+      <mc:AlternateContent xmlns:mc="http://schemas.openxmlformats.org/markup-compatibility/2006" xmlns:a14="http://schemas.microsoft.com/office/drawing/2010/main">
+        <mc:Choice Requires="a14">
           <p:sp>
             <p:nvSpPr>
               <p:cNvPr id="15" name="TextBox 14">
@@ -34704,7 +35380,7 @@
             </p:txBody>
           </p:sp>
         </mc:Choice>
-        <mc:Fallback>
+        <mc:Fallback xmlns="">
           <p:sp>
             <p:nvSpPr>
               <p:cNvPr id="15" name="TextBox 14">
@@ -34749,8 +35425,8 @@
           </p:sp>
         </mc:Fallback>
       </mc:AlternateContent>
-      <mc:AlternateContent xmlns:mc="http://schemas.openxmlformats.org/markup-compatibility/2006">
-        <mc:Choice xmlns:a14="http://schemas.microsoft.com/office/drawing/2010/main" Requires="a14">
+      <mc:AlternateContent xmlns:mc="http://schemas.openxmlformats.org/markup-compatibility/2006" xmlns:a14="http://schemas.microsoft.com/office/drawing/2010/main">
+        <mc:Choice Requires="a14">
           <p:sp>
             <p:nvSpPr>
               <p:cNvPr id="16" name="TextBox 15">
@@ -34852,7 +35528,7 @@
             </p:txBody>
           </p:sp>
         </mc:Choice>
-        <mc:Fallback>
+        <mc:Fallback xmlns="">
           <p:sp>
             <p:nvSpPr>
               <p:cNvPr id="16" name="TextBox 15">
@@ -35147,7 +35823,7 @@
                                         <p:tgtEl>
                                           <p:spTgt spid="4">
                                             <p:txEl>
-                                              <p:charRg st="84" end="133"/>
+                                              <p:pRg st="2" end="2"/>
                                             </p:txEl>
                                           </p:spTgt>
                                         </p:tgtEl>
@@ -35165,7 +35841,7 @@
                                         <p:tgtEl>
                                           <p:spTgt spid="4">
                                             <p:txEl>
-                                              <p:charRg st="84" end="133"/>
+                                              <p:pRg st="2" end="2"/>
                                             </p:txEl>
                                           </p:spTgt>
                                         </p:tgtEl>
@@ -35208,7 +35884,7 @@
                                         <p:tgtEl>
                                           <p:spTgt spid="4">
                                             <p:txEl>
-                                              <p:charRg st="134" end="222"/>
+                                              <p:pRg st="4" end="4"/>
                                             </p:txEl>
                                           </p:spTgt>
                                         </p:tgtEl>
@@ -35226,7 +35902,7 @@
                                         <p:tgtEl>
                                           <p:spTgt spid="4">
                                             <p:txEl>
-                                              <p:charRg st="134" end="222"/>
+                                              <p:pRg st="4" end="4"/>
                                             </p:txEl>
                                           </p:spTgt>
                                         </p:tgtEl>
@@ -35892,8 +36568,8 @@
           </a:p>
         </p:txBody>
       </p:sp>
-      <mc:AlternateContent xmlns:mc="http://schemas.openxmlformats.org/markup-compatibility/2006">
-        <mc:Choice xmlns:a14="http://schemas.microsoft.com/office/drawing/2010/main" Requires="a14">
+      <mc:AlternateContent xmlns:mc="http://schemas.openxmlformats.org/markup-compatibility/2006" xmlns:a14="http://schemas.microsoft.com/office/drawing/2010/main">
+        <mc:Choice Requires="a14">
           <p:sp>
             <p:nvSpPr>
               <p:cNvPr id="3" name="Content Placeholder 2">
@@ -35991,7 +36667,7 @@
             </p:txBody>
           </p:sp>
         </mc:Choice>
-        <mc:Fallback>
+        <mc:Fallback xmlns="">
           <p:sp>
             <p:nvSpPr>
               <p:cNvPr id="3" name="Content Placeholder 2">
@@ -36503,8 +37179,8 @@
           </a:p>
         </p:txBody>
       </p:sp>
-      <mc:AlternateContent xmlns:mc="http://schemas.openxmlformats.org/markup-compatibility/2006">
-        <mc:Choice xmlns:a14="http://schemas.microsoft.com/office/drawing/2010/main" Requires="a14">
+      <mc:AlternateContent xmlns:mc="http://schemas.openxmlformats.org/markup-compatibility/2006" xmlns:a14="http://schemas.microsoft.com/office/drawing/2010/main">
+        <mc:Choice Requires="a14">
           <p:sp>
             <p:nvSpPr>
               <p:cNvPr id="3" name="Content Placeholder 2">
@@ -36698,7 +37374,7 @@
             </p:txBody>
           </p:sp>
         </mc:Choice>
-        <mc:Fallback>
+        <mc:Fallback xmlns="">
           <p:sp>
             <p:nvSpPr>
               <p:cNvPr id="3" name="Content Placeholder 2">
